--- a/Day 2/04_Eclipse.pptx
+++ b/Day 2/04_Eclipse.pptx
@@ -244,7 +244,7 @@
           <a:p>
             <a:fld id="{456BE618-FADF-422E-964E-DCBF5F3E5F20}" type="datetimeFigureOut">
               <a:rPr lang="en-US" smtClean="0"/>
-              <a:t>5/6/2024</a:t>
+              <a:t>5/13/2024</a:t>
             </a:fld>
             <a:endParaRPr lang="en-US"/>
           </a:p>
@@ -1173,7 +1173,7 @@
           <a:p>
             <a:fld id="{335DB967-4AF8-4D9D-BC89-9273E19FF2EA}" type="datetimeFigureOut">
               <a:rPr lang="en-US" smtClean="0"/>
-              <a:t>5/6/2024</a:t>
+              <a:t>5/13/2024</a:t>
             </a:fld>
             <a:endParaRPr lang="en-US"/>
           </a:p>
@@ -1450,7 +1450,7 @@
           <a:p>
             <a:fld id="{335DB967-4AF8-4D9D-BC89-9273E19FF2EA}" type="datetimeFigureOut">
               <a:rPr lang="en-US" smtClean="0"/>
-              <a:t>5/6/2024</a:t>
+              <a:t>5/13/2024</a:t>
             </a:fld>
             <a:endParaRPr lang="en-US"/>
           </a:p>
@@ -1703,7 +1703,7 @@
           <a:p>
             <a:fld id="{335DB967-4AF8-4D9D-BC89-9273E19FF2EA}" type="datetimeFigureOut">
               <a:rPr lang="en-US" smtClean="0"/>
-              <a:t>5/6/2024</a:t>
+              <a:t>5/13/2024</a:t>
             </a:fld>
             <a:endParaRPr lang="en-US"/>
           </a:p>
@@ -1873,7 +1873,7 @@
           <a:p>
             <a:fld id="{335DB967-4AF8-4D9D-BC89-9273E19FF2EA}" type="datetimeFigureOut">
               <a:rPr lang="en-US" smtClean="0"/>
-              <a:t>5/6/2024</a:t>
+              <a:t>5/13/2024</a:t>
             </a:fld>
             <a:endParaRPr lang="en-US"/>
           </a:p>
@@ -2053,7 +2053,7 @@
           <a:p>
             <a:fld id="{335DB967-4AF8-4D9D-BC89-9273E19FF2EA}" type="datetimeFigureOut">
               <a:rPr lang="en-US" smtClean="0"/>
-              <a:t>5/6/2024</a:t>
+              <a:t>5/13/2024</a:t>
             </a:fld>
             <a:endParaRPr lang="en-US"/>
           </a:p>
@@ -2552,7 +2552,7 @@
           <a:p>
             <a:fld id="{335DB967-4AF8-4D9D-BC89-9273E19FF2EA}" type="datetimeFigureOut">
               <a:rPr lang="en-US" smtClean="0"/>
-              <a:t>5/6/2024</a:t>
+              <a:t>5/13/2024</a:t>
             </a:fld>
             <a:endParaRPr lang="en-US"/>
           </a:p>
@@ -2729,7 +2729,7 @@
           <a:p>
             <a:fld id="{335DB967-4AF8-4D9D-BC89-9273E19FF2EA}" type="datetimeFigureOut">
               <a:rPr lang="en-US" smtClean="0"/>
-              <a:t>5/6/2024</a:t>
+              <a:t>5/13/2024</a:t>
             </a:fld>
             <a:endParaRPr lang="en-US"/>
           </a:p>
@@ -2975,7 +2975,7 @@
           <a:p>
             <a:fld id="{335DB967-4AF8-4D9D-BC89-9273E19FF2EA}" type="datetimeFigureOut">
               <a:rPr lang="en-US" smtClean="0"/>
-              <a:t>5/6/2024</a:t>
+              <a:t>5/13/2024</a:t>
             </a:fld>
             <a:endParaRPr lang="en-US"/>
           </a:p>
@@ -3263,7 +3263,7 @@
           <a:p>
             <a:fld id="{335DB967-4AF8-4D9D-BC89-9273E19FF2EA}" type="datetimeFigureOut">
               <a:rPr lang="en-US" smtClean="0"/>
-              <a:t>5/6/2024</a:t>
+              <a:t>5/13/2024</a:t>
             </a:fld>
             <a:endParaRPr lang="en-US"/>
           </a:p>
@@ -3685,7 +3685,7 @@
           <a:p>
             <a:fld id="{335DB967-4AF8-4D9D-BC89-9273E19FF2EA}" type="datetimeFigureOut">
               <a:rPr lang="en-US" smtClean="0"/>
-              <a:t>5/6/2024</a:t>
+              <a:t>5/13/2024</a:t>
             </a:fld>
             <a:endParaRPr lang="en-US"/>
           </a:p>
@@ -3803,7 +3803,7 @@
           <a:p>
             <a:fld id="{335DB967-4AF8-4D9D-BC89-9273E19FF2EA}" type="datetimeFigureOut">
               <a:rPr lang="en-US" smtClean="0"/>
-              <a:t>5/6/2024</a:t>
+              <a:t>5/13/2024</a:t>
             </a:fld>
             <a:endParaRPr lang="en-US"/>
           </a:p>
@@ -4766,7 +4766,7 @@
             <a:fld id="{335DB967-4AF8-4D9D-BC89-9273E19FF2EA}" type="datetimeFigureOut">
               <a:rPr lang="en-US" smtClean="0"/>
               <a:pPr/>
-              <a:t>5/6/2024</a:t>
+              <a:t>5/13/2024</a:t>
             </a:fld>
             <a:endParaRPr lang="en-US"/>
           </a:p>
@@ -5302,7 +5302,7 @@
         </p:blipFill>
         <p:spPr bwMode="auto">
           <a:xfrm>
-            <a:off x="0" y="1541463"/>
+            <a:off x="0" y="2032351"/>
             <a:ext cx="9144000" cy="3640137"/>
           </a:xfrm>
           <a:prstGeom prst="rect">
@@ -10571,8 +10571,8 @@
           </a:p>
         </p:txBody>
       </p:sp>
-      <mc:AlternateContent xmlns:mc="http://schemas.openxmlformats.org/markup-compatibility/2006">
-        <mc:Choice xmlns:a14="http://schemas.microsoft.com/office/drawing/2010/main" Requires="a14">
+      <mc:AlternateContent xmlns:mc="http://schemas.openxmlformats.org/markup-compatibility/2006" xmlns:a14="http://schemas.microsoft.com/office/drawing/2010/main">
+        <mc:Choice Requires="a14">
           <p:sp>
             <p:nvSpPr>
               <p:cNvPr id="4" name="TextBox 3"/>
@@ -10678,7 +10678,7 @@
             </p:txBody>
           </p:sp>
         </mc:Choice>
-        <mc:Fallback>
+        <mc:Fallback xmlns="">
           <p:sp>
             <p:nvSpPr>
               <p:cNvPr id="4" name="TextBox 3"/>
@@ -10717,8 +10717,8 @@
           </p:sp>
         </mc:Fallback>
       </mc:AlternateContent>
-      <mc:AlternateContent xmlns:mc="http://schemas.openxmlformats.org/markup-compatibility/2006">
-        <mc:Choice xmlns:a14="http://schemas.microsoft.com/office/drawing/2010/main" Requires="a14">
+      <mc:AlternateContent xmlns:mc="http://schemas.openxmlformats.org/markup-compatibility/2006" xmlns:a14="http://schemas.microsoft.com/office/drawing/2010/main">
+        <mc:Choice Requires="a14">
           <p:sp>
             <p:nvSpPr>
               <p:cNvPr id="5" name="TextBox 4"/>
@@ -10911,7 +10911,7 @@
             </p:txBody>
           </p:sp>
         </mc:Choice>
-        <mc:Fallback>
+        <mc:Fallback xmlns="">
           <p:sp>
             <p:nvSpPr>
               <p:cNvPr id="5" name="TextBox 4"/>
@@ -11037,8 +11037,8 @@
           </a:p>
         </p:txBody>
       </p:sp>
-      <mc:AlternateContent xmlns:mc="http://schemas.openxmlformats.org/markup-compatibility/2006">
-        <mc:Choice xmlns:a14="http://schemas.microsoft.com/office/drawing/2010/main" Requires="a14">
+      <mc:AlternateContent xmlns:mc="http://schemas.openxmlformats.org/markup-compatibility/2006" xmlns:a14="http://schemas.microsoft.com/office/drawing/2010/main">
+        <mc:Choice Requires="a14">
           <p:sp>
             <p:nvSpPr>
               <p:cNvPr id="9" name="TextBox 8"/>
@@ -11106,7 +11106,7 @@
             </p:txBody>
           </p:sp>
         </mc:Choice>
-        <mc:Fallback>
+        <mc:Fallback xmlns="">
           <p:sp>
             <p:nvSpPr>
               <p:cNvPr id="9" name="TextBox 8"/>
@@ -11145,8 +11145,8 @@
           </p:sp>
         </mc:Fallback>
       </mc:AlternateContent>
-      <mc:AlternateContent xmlns:mc="http://schemas.openxmlformats.org/markup-compatibility/2006">
-        <mc:Choice xmlns:a14="http://schemas.microsoft.com/office/drawing/2010/main" Requires="a14">
+      <mc:AlternateContent xmlns:mc="http://schemas.openxmlformats.org/markup-compatibility/2006" xmlns:a14="http://schemas.microsoft.com/office/drawing/2010/main">
+        <mc:Choice Requires="a14">
           <p:sp>
             <p:nvSpPr>
               <p:cNvPr id="10" name="Rectangle 9"/>
@@ -11259,7 +11259,7 @@
             </p:txBody>
           </p:sp>
         </mc:Choice>
-        <mc:Fallback>
+        <mc:Fallback xmlns="">
           <p:sp>
             <p:nvSpPr>
               <p:cNvPr id="10" name="Rectangle 9"/>
@@ -11331,14 +11331,6 @@
               </a:rPr>
               <a:t>Group 1</a:t>
             </a:r>
-            <a:endParaRPr lang="en-US" sz="2000" b="1" u="sng" dirty="0">
-              <a:solidFill>
-                <a:srgbClr val="0C2D83"/>
-              </a:solidFill>
-              <a:latin typeface="Trebuchet MS" panose="020B0603020202020204" pitchFamily="34" charset="0"/>
-              <a:ea typeface="+mj-ea"/>
-              <a:cs typeface="+mj-cs"/>
-            </a:endParaRPr>
           </a:p>
         </p:txBody>
       </p:sp>
@@ -11495,8 +11487,8 @@
           </a:p>
         </p:txBody>
       </p:sp>
-      <mc:AlternateContent xmlns:mc="http://schemas.openxmlformats.org/markup-compatibility/2006">
-        <mc:Choice xmlns:a14="http://schemas.microsoft.com/office/drawing/2010/main" Requires="a14">
+      <mc:AlternateContent xmlns:mc="http://schemas.openxmlformats.org/markup-compatibility/2006" xmlns:a14="http://schemas.microsoft.com/office/drawing/2010/main">
+        <mc:Choice Requires="a14">
           <p:sp>
             <p:nvSpPr>
               <p:cNvPr id="15" name="TextBox 14"/>
@@ -11862,7 +11854,7 @@
                       <m:sSup>
                         <m:sSupPr>
                           <m:ctrlPr>
-                            <a:rPr lang="en-US" sz="1200" b="0" i="0" smtClean="0">
+                            <a:rPr lang="en-US" sz="1200" b="0" i="1" smtClean="0">
                               <a:solidFill>
                                 <a:srgbClr val="002060"/>
                               </a:solidFill>
@@ -11911,7 +11903,7 @@
             </p:txBody>
           </p:sp>
         </mc:Choice>
-        <mc:Fallback>
+        <mc:Fallback xmlns="">
           <p:sp>
             <p:nvSpPr>
               <p:cNvPr id="15" name="TextBox 14"/>
@@ -11961,7 +11953,7 @@
             <p:spPr>
               <a:xfrm>
                 <a:off x="4736941" y="4328838"/>
-                <a:ext cx="4183005" cy="507318"/>
+                <a:ext cx="3917547" cy="507318"/>
               </a:xfrm>
               <a:prstGeom prst="rect">
                 <a:avLst/>
@@ -11973,6 +11965,7 @@
               </a:bodyPr>
               <a:lstStyle/>
               <a:p>
+                <a:pPr/>
                 <a14:m>
                   <m:oMathPara xmlns:m="http://schemas.openxmlformats.org/officeDocument/2006/math">
                     <m:oMathParaPr>
@@ -12272,27 +12265,17 @@
                                           <a:latin typeface="Cambria Math" panose="02040503050406030204" pitchFamily="18" charset="0"/>
                                           <a:ea typeface="Cambria Math" panose="02040503050406030204" pitchFamily="18" charset="0"/>
                                         </a:rPr>
-                                        <m:t>6378.137</m:t>
+                                        <m:t>6378.137+</m:t>
                                       </m:r>
                                       <m:r>
-                                        <a:rPr lang="en-US" sz="1200" i="1">
+                                        <a:rPr lang="en-US" sz="1200" b="0" i="1" smtClean="0">
                                           <a:solidFill>
                                             <a:srgbClr val="00B050"/>
                                           </a:solidFill>
                                           <a:latin typeface="Cambria Math" panose="02040503050406030204" pitchFamily="18" charset="0"/>
                                           <a:ea typeface="Cambria Math" panose="02040503050406030204" pitchFamily="18" charset="0"/>
                                         </a:rPr>
-                                        <m:t>+</m:t>
-                                      </m:r>
-                                      <m:r>
-                                        <a:rPr lang="en-US" sz="1200" i="1">
-                                          <a:solidFill>
-                                            <a:srgbClr val="00B050"/>
-                                          </a:solidFill>
-                                          <a:latin typeface="Cambria Math" panose="02040503050406030204" pitchFamily="18" charset="0"/>
-                                          <a:ea typeface="Cambria Math" panose="02040503050406030204" pitchFamily="18" charset="0"/>
-                                        </a:rPr>
-                                        <m:t>35786</m:t>
+                                        <m:t>500</m:t>
                                       </m:r>
                                     </m:den>
                                   </m:f>
@@ -12333,7 +12316,27 @@
                               <a:latin typeface="Cambria Math" panose="02040503050406030204" pitchFamily="18" charset="0"/>
                               <a:ea typeface="Cambria Math" panose="02040503050406030204" pitchFamily="18" charset="0"/>
                             </a:rPr>
-                            <m:t>60.0</m:t>
+                            <m:t>6</m:t>
+                          </m:r>
+                          <m:r>
+                            <a:rPr lang="en-US" sz="1200" b="0" i="1" smtClean="0">
+                              <a:solidFill>
+                                <a:srgbClr val="00B050"/>
+                              </a:solidFill>
+                              <a:latin typeface="Cambria Math" panose="02040503050406030204" pitchFamily="18" charset="0"/>
+                              <a:ea typeface="Cambria Math" panose="02040503050406030204" pitchFamily="18" charset="0"/>
+                            </a:rPr>
+                            <m:t>8</m:t>
+                          </m:r>
+                          <m:r>
+                            <a:rPr lang="en-US" sz="1200" b="0" i="1" smtClean="0">
+                              <a:solidFill>
+                                <a:srgbClr val="00B050"/>
+                              </a:solidFill>
+                              <a:latin typeface="Cambria Math" panose="02040503050406030204" pitchFamily="18" charset="0"/>
+                              <a:ea typeface="Cambria Math" panose="02040503050406030204" pitchFamily="18" charset="0"/>
+                            </a:rPr>
+                            <m:t>.0</m:t>
                           </m:r>
                         </m:e>
                         <m:sup>
@@ -12373,7 +12376,7 @@
             <p:spPr>
               <a:xfrm>
                 <a:off x="4736941" y="4328838"/>
-                <a:ext cx="4183005" cy="507318"/>
+                <a:ext cx="3917547" cy="507318"/>
               </a:xfrm>
               <a:prstGeom prst="rect">
                 <a:avLst/>
@@ -12400,8 +12403,8 @@
           </p:sp>
         </mc:Fallback>
       </mc:AlternateContent>
-      <mc:AlternateContent xmlns:mc="http://schemas.openxmlformats.org/markup-compatibility/2006">
-        <mc:Choice xmlns:a14="http://schemas.microsoft.com/office/drawing/2010/main" Requires="a14">
+      <mc:AlternateContent xmlns:mc="http://schemas.openxmlformats.org/markup-compatibility/2006" xmlns:a14="http://schemas.microsoft.com/office/drawing/2010/main">
+        <mc:Choice Requires="a14">
           <p:sp>
             <p:nvSpPr>
               <p:cNvPr id="17" name="Rectangle 16"/>
@@ -12423,6 +12426,7 @@
               </a:bodyPr>
               <a:lstStyle/>
               <a:p>
+                <a:pPr/>
                 <a14:m>
                   <m:oMathPara xmlns:m="http://schemas.openxmlformats.org/officeDocument/2006/math">
                     <m:oMathParaPr>
@@ -12856,7 +12860,6 @@
                 </a:endParaRPr>
               </a:p>
               <a:p>
-                <a:pPr/>
                 <a:endParaRPr lang="en-US" sz="1200" b="0" dirty="0" smtClean="0">
                   <a:solidFill>
                     <a:srgbClr val="002060"/>
@@ -12973,7 +12976,7 @@
             </p:txBody>
           </p:sp>
         </mc:Choice>
-        <mc:Fallback>
+        <mc:Fallback xmlns="">
           <p:sp>
             <p:nvSpPr>
               <p:cNvPr id="17" name="Rectangle 16"/>
@@ -13012,8 +13015,8 @@
           </p:sp>
         </mc:Fallback>
       </mc:AlternateContent>
-      <mc:AlternateContent xmlns:mc="http://schemas.openxmlformats.org/markup-compatibility/2006">
-        <mc:Choice xmlns:a14="http://schemas.microsoft.com/office/drawing/2010/main" Requires="a14">
+      <mc:AlternateContent xmlns:mc="http://schemas.openxmlformats.org/markup-compatibility/2006" xmlns:a14="http://schemas.microsoft.com/office/drawing/2010/main">
+        <mc:Choice Requires="a14">
           <p:sp>
             <p:nvSpPr>
               <p:cNvPr id="18" name="Rectangle 17"/>
@@ -13242,7 +13245,7 @@
             </p:txBody>
           </p:sp>
         </mc:Choice>
-        <mc:Fallback>
+        <mc:Fallback xmlns="">
           <p:sp>
             <p:nvSpPr>
               <p:cNvPr id="18" name="Rectangle 17"/>
@@ -13292,7 +13295,7 @@
             <p:spPr>
               <a:xfrm>
                 <a:off x="4754715" y="4873185"/>
-                <a:ext cx="4448141" cy="1553310"/>
+                <a:ext cx="4258153" cy="1553310"/>
               </a:xfrm>
               <a:prstGeom prst="rect">
                 <a:avLst/>
@@ -13304,6 +13307,7 @@
               </a:bodyPr>
               <a:lstStyle/>
               <a:p>
+                <a:pPr/>
                 <a14:m>
                   <m:oMathPara xmlns:m="http://schemas.openxmlformats.org/officeDocument/2006/math">
                     <m:oMathParaPr>
@@ -13487,16 +13491,7 @@
                                           </a:solidFill>
                                           <a:latin typeface="Cambria Math" panose="02040503050406030204" pitchFamily="18" charset="0"/>
                                         </a:rPr>
-                                        <m:t>6378.137+</m:t>
-                                      </m:r>
-                                      <m:r>
-                                        <a:rPr lang="en-US" sz="1200" b="0" i="1" smtClean="0">
-                                          <a:solidFill>
-                                            <a:srgbClr val="00B050"/>
-                                          </a:solidFill>
-                                          <a:latin typeface="Cambria Math" panose="02040503050406030204" pitchFamily="18" charset="0"/>
-                                        </a:rPr>
-                                        <m:t>500</m:t>
+                                        <m:t>6378.137+500</m:t>
                                       </m:r>
                                     </m:e>
                                   </m:d>
@@ -13535,7 +13530,25 @@
                           </a:solidFill>
                           <a:latin typeface="Cambria Math" panose="02040503050406030204" pitchFamily="18" charset="0"/>
                         </a:rPr>
-                        <m:t>=5564.69 </m:t>
+                        <m:t>=5</m:t>
+                      </m:r>
+                      <m:r>
+                        <a:rPr lang="en-US" sz="1200" b="0" i="1" smtClean="0">
+                          <a:solidFill>
+                            <a:srgbClr val="00B050"/>
+                          </a:solidFill>
+                          <a:latin typeface="Cambria Math" panose="02040503050406030204" pitchFamily="18" charset="0"/>
+                        </a:rPr>
+                        <m:t>677</m:t>
+                      </m:r>
+                      <m:r>
+                        <a:rPr lang="en-US" sz="1200" b="0" i="1" smtClean="0">
+                          <a:solidFill>
+                            <a:srgbClr val="00B050"/>
+                          </a:solidFill>
+                          <a:latin typeface="Cambria Math" panose="02040503050406030204" pitchFamily="18" charset="0"/>
+                        </a:rPr>
+                        <m:t> </m:t>
                       </m:r>
                       <m:r>
                         <a:rPr lang="en-US" sz="1200" b="0" i="1" smtClean="0">
@@ -13553,7 +13566,7 @@
                           </a:solidFill>
                           <a:latin typeface="Cambria Math" panose="02040503050406030204" pitchFamily="18" charset="0"/>
                         </a:rPr>
-                        <m:t>=1.55 </m:t>
+                        <m:t>=1.57 </m:t>
                       </m:r>
                       <m:r>
                         <a:rPr lang="en-US" sz="1200" b="0" i="1" smtClean="0">
@@ -13701,7 +13714,16 @@
                           </a:solidFill>
                           <a:latin typeface="Cambria Math" panose="02040503050406030204" pitchFamily="18" charset="0"/>
                         </a:rPr>
-                        <m:t>=1854.89 </m:t>
+                        <m:t>=</m:t>
+                      </m:r>
+                      <m:r>
+                        <a:rPr lang="en-US" sz="1200" b="0" i="0" smtClean="0">
+                          <a:solidFill>
+                            <a:srgbClr val="00B050"/>
+                          </a:solidFill>
+                          <a:latin typeface="Cambria Math" panose="02040503050406030204" pitchFamily="18" charset="0"/>
+                        </a:rPr>
+                        <m:t>2145 </m:t>
                       </m:r>
                       <m:r>
                         <m:rPr>
@@ -13722,7 +13744,7 @@
                           </a:solidFill>
                           <a:latin typeface="Cambria Math" panose="02040503050406030204" pitchFamily="18" charset="0"/>
                         </a:rPr>
-                        <m:t>=0.52 </m:t>
+                        <m:t>=0.60 </m:t>
                       </m:r>
                       <m:r>
                         <m:rPr>
@@ -13746,7 +13768,6 @@
                 </a:endParaRPr>
               </a:p>
               <a:p>
-                <a:pPr/>
                 <a:endParaRPr lang="en-US" sz="1200" b="0" dirty="0" smtClean="0">
                   <a:solidFill>
                     <a:srgbClr val="00B050"/>
@@ -13822,7 +13843,7 @@
                           </a:solidFill>
                           <a:latin typeface="Cambria Math" panose="02040503050406030204" pitchFamily="18" charset="0"/>
                         </a:rPr>
-                        <m:t>=3709.8 </m:t>
+                        <m:t>=3532 </m:t>
                       </m:r>
                       <m:r>
                         <a:rPr lang="en-US" sz="1200" b="0" i="1" smtClean="0">
@@ -13840,7 +13861,7 @@
                           </a:solidFill>
                           <a:latin typeface="Cambria Math" panose="02040503050406030204" pitchFamily="18" charset="0"/>
                         </a:rPr>
-                        <m:t>=1.03 </m:t>
+                        <m:t>=0.98 </m:t>
                       </m:r>
                       <m:r>
                         <a:rPr lang="en-US" sz="1200" b="0" i="1" smtClean="0">
@@ -13875,7 +13896,7 @@
             <p:spPr>
               <a:xfrm>
                 <a:off x="4754715" y="4873185"/>
-                <a:ext cx="4448141" cy="1553310"/>
+                <a:ext cx="4258153" cy="1553310"/>
               </a:xfrm>
               <a:prstGeom prst="rect">
                 <a:avLst/>
@@ -15386,9 +15407,12 @@
 </file>
 
 <file path=customXml/item1.xml><?xml version="1.0" encoding="utf-8"?>
-<p:properties xmlns:p="http://schemas.microsoft.com/office/2006/metadata/properties" xmlns:xsi="http://www.w3.org/2001/XMLSchema-instance" xmlns:pc="http://schemas.microsoft.com/office/infopath/2007/PartnerControls">
-  <documentManagement/>
-</p:properties>
+<?mso-contentType ?>
+<FormTemplates xmlns="http://schemas.microsoft.com/sharepoint/v3/contenttype/forms">
+  <Display>DocumentLibraryForm</Display>
+  <Edit>DocumentLibraryForm</Edit>
+  <New>DocumentLibraryForm</New>
+</FormTemplates>
 </file>
 
 <file path=customXml/item2.xml><?xml version="1.0" encoding="utf-8"?>
@@ -15554,40 +15578,49 @@
 </file>
 
 <file path=customXml/item3.xml><?xml version="1.0" encoding="utf-8"?>
-<?mso-contentType ?>
-<FormTemplates xmlns="http://schemas.microsoft.com/sharepoint/v3/contenttype/forms">
-  <Display>DocumentLibraryForm</Display>
-  <Edit>DocumentLibraryForm</Edit>
-  <New>DocumentLibraryForm</New>
-</FormTemplates>
+<p:properties xmlns:p="http://schemas.microsoft.com/office/2006/metadata/properties" xmlns:xsi="http://www.w3.org/2001/XMLSchema-instance" xmlns:pc="http://schemas.microsoft.com/office/infopath/2007/PartnerControls">
+  <documentManagement/>
+</p:properties>
 </file>
 
 <file path=customXml/itemProps1.xml><?xml version="1.0" encoding="utf-8"?>
-<ds:datastoreItem xmlns:ds="http://schemas.openxmlformats.org/officeDocument/2006/customXml" ds:itemID="{31150D0E-30C2-4FE8-8065-3DFE38E08160}">
+<ds:datastoreItem xmlns:ds="http://schemas.openxmlformats.org/officeDocument/2006/customXml" ds:itemID="{5CE7AD6A-59F2-4E2C-8BF0-DC0578F32CD4}">
   <ds:schemaRefs>
-    <ds:schemaRef ds:uri="http://schemas.microsoft.com/office/2006/documentManagement/types"/>
-    <ds:schemaRef ds:uri="http://schemas.microsoft.com/office/infopath/2007/PartnerControls"/>
-    <ds:schemaRef ds:uri="b61c2465-24c3-4ed3-b6f4-ec97b93c796d"/>
-    <ds:schemaRef ds:uri="http://purl.org/dc/elements/1.1/"/>
-    <ds:schemaRef ds:uri="http://schemas.microsoft.com/office/2006/metadata/properties"/>
-    <ds:schemaRef ds:uri="65c9b154-240a-4583-bab7-9ef827678c17"/>
-    <ds:schemaRef ds:uri="http://schemas.microsoft.com/sharepoint/v3"/>
-    <ds:schemaRef ds:uri="http://purl.org/dc/terms/"/>
-    <ds:schemaRef ds:uri="http://schemas.openxmlformats.org/package/2006/metadata/core-properties"/>
-    <ds:schemaRef ds:uri="http://www.w3.org/XML/1998/namespace"/>
-    <ds:schemaRef ds:uri="http://purl.org/dc/dcmitype/"/>
+    <ds:schemaRef ds:uri="http://schemas.microsoft.com/sharepoint/v3/contenttype/forms"/>
   </ds:schemaRefs>
 </ds:datastoreItem>
 </file>
 
 <file path=customXml/itemProps2.xml><?xml version="1.0" encoding="utf-8"?>
-<ds:datastoreItem xmlns:ds="http://schemas.openxmlformats.org/officeDocument/2006/customXml" ds:itemID="{8ED4EF72-769F-4827-B624-0993B78236CF}"/>
+<ds:datastoreItem xmlns:ds="http://schemas.openxmlformats.org/officeDocument/2006/customXml" ds:itemID="{8ED4EF72-769F-4827-B624-0993B78236CF}">
+  <ds:schemaRefs>
+    <ds:schemaRef ds:uri="http://schemas.microsoft.com/office/2006/metadata/contentType"/>
+    <ds:schemaRef ds:uri="http://schemas.microsoft.com/office/2006/metadata/properties/metaAttributes"/>
+    <ds:schemaRef ds:uri="http://www.w3.org/2001/XMLSchema"/>
+    <ds:schemaRef ds:uri="http://schemas.microsoft.com/office/2006/metadata/properties"/>
+    <ds:schemaRef ds:uri="0f9e4220-d6a4-4be3-a2a3-abfcd1f1a662"/>
+    <ds:schemaRef ds:uri="http://schemas.microsoft.com/office/2006/documentManagement/types"/>
+    <ds:schemaRef ds:uri="http://schemas.microsoft.com/office/infopath/2007/PartnerControls"/>
+    <ds:schemaRef ds:uri="http://schemas.openxmlformats.org/package/2006/metadata/core-properties"/>
+    <ds:schemaRef ds:uri="http://purl.org/dc/elements/1.1/"/>
+    <ds:schemaRef ds:uri="http://purl.org/dc/terms/"/>
+    <ds:schemaRef ds:uri="http://schemas.microsoft.com/internal/obd"/>
+  </ds:schemaRefs>
+</ds:datastoreItem>
 </file>
 
 <file path=customXml/itemProps3.xml><?xml version="1.0" encoding="utf-8"?>
-<ds:datastoreItem xmlns:ds="http://schemas.openxmlformats.org/officeDocument/2006/customXml" ds:itemID="{5CE7AD6A-59F2-4E2C-8BF0-DC0578F32CD4}">
+<ds:datastoreItem xmlns:ds="http://schemas.openxmlformats.org/officeDocument/2006/customXml" ds:itemID="{31150D0E-30C2-4FE8-8065-3DFE38E08160}">
   <ds:schemaRefs>
-    <ds:schemaRef ds:uri="http://schemas.microsoft.com/sharepoint/v3/contenttype/forms"/>
+    <ds:schemaRef ds:uri="http://purl.org/dc/elements/1.1/"/>
+    <ds:schemaRef ds:uri="http://schemas.microsoft.com/office/2006/metadata/properties"/>
+    <ds:schemaRef ds:uri="http://purl.org/dc/terms/"/>
+    <ds:schemaRef ds:uri="http://schemas.openxmlformats.org/package/2006/metadata/core-properties"/>
+    <ds:schemaRef ds:uri="http://purl.org/dc/dcmitype/"/>
+    <ds:schemaRef ds:uri="http://schemas.microsoft.com/office/2006/documentManagement/types"/>
+    <ds:schemaRef ds:uri="http://schemas.microsoft.com/office/infopath/2007/PartnerControls"/>
+    <ds:schemaRef ds:uri="0f9e4220-d6a4-4be3-a2a3-abfcd1f1a662"/>
+    <ds:schemaRef ds:uri="http://www.w3.org/XML/1998/namespace"/>
   </ds:schemaRefs>
 </ds:datastoreItem>
 </file>